--- a/CAPSTONE PROJECT/REVIEW_1_19BCE1027-ARYAMAN.pptx
+++ b/CAPSTONE PROJECT/REVIEW_1_19BCE1027-ARYAMAN.pptx
@@ -223,7 +223,7 @@
           <a:p>
             <a:fld id="{9D85B690-DA12-4685-B421-55013345D842}" type="datetimeFigureOut">
               <a:rPr lang="en-US" smtClean="0"/>
-              <a:t>11/19/2022</a:t>
+              <a:t>11/22/2022</a:t>
             </a:fld>
             <a:endParaRPr lang="en-US"/>
           </a:p>
@@ -389,7 +389,7 @@
           <a:p>
             <a:fld id="{46F41E90-DF02-4DDB-A645-EE4BD71F0959}" type="datetimeFigureOut">
               <a:rPr lang="en-IN" smtClean="0"/>
-              <a:t>19-11-2022</a:t>
+              <a:t>22-11-2022</a:t>
             </a:fld>
             <a:endParaRPr lang="en-IN"/>
           </a:p>
@@ -1304,7 +1304,7 @@
           <a:p>
             <a:fld id="{E9D45CE8-D44F-4EBF-8D44-16D87B730117}" type="datetime1">
               <a:rPr lang="en-IN" smtClean="0"/>
-              <a:t>19-11-2022</a:t>
+              <a:t>22-11-2022</a:t>
             </a:fld>
             <a:endParaRPr lang="en-IN"/>
           </a:p>
@@ -1478,7 +1478,7 @@
           <a:p>
             <a:fld id="{00EA3C0C-7B7E-4602-AA2B-8CC69C0692E6}" type="datetime1">
               <a:rPr lang="en-IN" smtClean="0"/>
-              <a:t>19-11-2022</a:t>
+              <a:t>22-11-2022</a:t>
             </a:fld>
             <a:endParaRPr lang="en-IN"/>
           </a:p>
@@ -1662,7 +1662,7 @@
           <a:p>
             <a:fld id="{080A3FA1-CAA9-4795-8A48-94283E554A31}" type="datetime1">
               <a:rPr lang="en-IN" smtClean="0"/>
-              <a:t>19-11-2022</a:t>
+              <a:t>22-11-2022</a:t>
             </a:fld>
             <a:endParaRPr lang="en-IN"/>
           </a:p>
@@ -1836,7 +1836,7 @@
           <a:p>
             <a:fld id="{086BC8F7-D838-4017-BCC5-30A121465D4E}" type="datetime1">
               <a:rPr lang="en-IN" smtClean="0"/>
-              <a:t>19-11-2022</a:t>
+              <a:t>22-11-2022</a:t>
             </a:fld>
             <a:endParaRPr lang="en-IN"/>
           </a:p>
@@ -2086,7 +2086,7 @@
           <a:p>
             <a:fld id="{D97102E9-73F2-41EE-8ACD-70B1EC06739D}" type="datetime1">
               <a:rPr lang="en-IN" smtClean="0"/>
-              <a:t>19-11-2022</a:t>
+              <a:t>22-11-2022</a:t>
             </a:fld>
             <a:endParaRPr lang="en-IN"/>
           </a:p>
@@ -2322,7 +2322,7 @@
           <a:p>
             <a:fld id="{5B8F58C4-87E3-4FFF-8B8E-36A5CCE9587F}" type="datetime1">
               <a:rPr lang="en-IN" smtClean="0"/>
-              <a:t>19-11-2022</a:t>
+              <a:t>22-11-2022</a:t>
             </a:fld>
             <a:endParaRPr lang="en-IN"/>
           </a:p>
@@ -2693,7 +2693,7 @@
           <a:p>
             <a:fld id="{6118F8F5-38B3-468B-A110-CF7094C4FFA3}" type="datetime1">
               <a:rPr lang="en-IN" smtClean="0"/>
-              <a:t>19-11-2022</a:t>
+              <a:t>22-11-2022</a:t>
             </a:fld>
             <a:endParaRPr lang="en-IN"/>
           </a:p>
@@ -2815,7 +2815,7 @@
           <a:p>
             <a:fld id="{BED628D5-C314-4D33-9F20-759CCDE4AC4A}" type="datetime1">
               <a:rPr lang="en-IN" smtClean="0"/>
-              <a:t>19-11-2022</a:t>
+              <a:t>22-11-2022</a:t>
             </a:fld>
             <a:endParaRPr lang="en-IN"/>
           </a:p>
@@ -2914,7 +2914,7 @@
           <a:p>
             <a:fld id="{48E8B2C7-8C08-40C7-86D3-40717890647B}" type="datetime1">
               <a:rPr lang="en-IN" smtClean="0"/>
-              <a:t>19-11-2022</a:t>
+              <a:t>22-11-2022</a:t>
             </a:fld>
             <a:endParaRPr lang="en-IN"/>
           </a:p>
@@ -3195,7 +3195,7 @@
           <a:p>
             <a:fld id="{2616AB95-B062-4835-943E-2CCF78F87A5C}" type="datetime1">
               <a:rPr lang="en-IN" smtClean="0"/>
-              <a:t>19-11-2022</a:t>
+              <a:t>22-11-2022</a:t>
             </a:fld>
             <a:endParaRPr lang="en-IN"/>
           </a:p>
@@ -3452,7 +3452,7 @@
           <a:p>
             <a:fld id="{8ED5947D-ED41-4D3A-BD18-2470D3E417CA}" type="datetime1">
               <a:rPr lang="en-IN" smtClean="0"/>
-              <a:t>19-11-2022</a:t>
+              <a:t>22-11-2022</a:t>
             </a:fld>
             <a:endParaRPr lang="en-IN"/>
           </a:p>
@@ -3669,7 +3669,7 @@
           <a:p>
             <a:fld id="{4C95261D-6A12-49A0-8570-B5726E78256A}" type="datetime1">
               <a:rPr lang="en-IN" smtClean="0"/>
-              <a:t>19-11-2022</a:t>
+              <a:t>22-11-2022</a:t>
             </a:fld>
             <a:endParaRPr lang="en-IN"/>
           </a:p>
@@ -5650,14 +5650,14 @@
             <p:ph idx="1"/>
             <p:extLst>
               <p:ext uri="{D42A27DB-BD31-4B8C-83A1-F6EECF244321}">
-                <p14:modId xmlns:p14="http://schemas.microsoft.com/office/powerpoint/2010/main" val="3688263200"/>
+                <p14:modId xmlns:p14="http://schemas.microsoft.com/office/powerpoint/2010/main" val="1006007792"/>
               </p:ext>
             </p:extLst>
           </p:nvPr>
         </p:nvGraphicFramePr>
         <p:xfrm>
           <a:off x="1" y="623120"/>
-          <a:ext cx="12192000" cy="7437120"/>
+          <a:ext cx="12192000" cy="6217920"/>
         </p:xfrm>
         <a:graphic>
           <a:graphicData uri="http://schemas.openxmlformats.org/drawingml/2006/table">
@@ -6344,48 +6344,6 @@
                       <a:r>
                         <a:rPr lang="en-US" sz="1000" b="0" u="none" dirty="0"/>
                         <a:t>Cannot be used with negative weights.</a:t>
-                      </a:r>
-                    </a:p>
-                    <a:p>
-                      <a:r>
-                        <a:rPr lang="en-US" sz="1000" b="0" i="0" kern="1200" dirty="0">
-                          <a:solidFill>
-                            <a:schemeClr val="dk1"/>
-                          </a:solidFill>
-                          <a:effectLst/>
-                          <a:latin typeface="+mn-lt"/>
-                          <a:ea typeface="+mn-ea"/>
-                          <a:cs typeface="+mn-cs"/>
-                        </a:rPr>
-                        <a:t>The algorithm is quite complex and can be difficult to understand.</a:t>
-                      </a:r>
-                    </a:p>
-                    <a:p>
-                      <a:r>
-                        <a:rPr lang="en-US" sz="1000" b="0" i="0" kern="1200" dirty="0">
-                          <a:solidFill>
-                            <a:schemeClr val="dk1"/>
-                          </a:solidFill>
-                          <a:effectLst/>
-                          <a:latin typeface="+mn-lt"/>
-                          <a:ea typeface="+mn-ea"/>
-                          <a:cs typeface="+mn-cs"/>
-                        </a:rPr>
-                        <a:t>The algorithm can be slow when used on large graphs.</a:t>
-                      </a:r>
-                    </a:p>
-                    <a:p>
-                      <a:r>
-                        <a:rPr lang="en-US" sz="1000" b="0" i="0" kern="1200" dirty="0">
-                          <a:solidFill>
-                            <a:schemeClr val="dk1"/>
-                          </a:solidFill>
-                          <a:effectLst/>
-                          <a:latin typeface="+mn-lt"/>
-                          <a:ea typeface="+mn-ea"/>
-                          <a:cs typeface="+mn-cs"/>
-                        </a:rPr>
-                        <a:t>The algorithm does not always find the shortest path between two nodes; it can sometimes find a path that is longer than the shortest path.</a:t>
                       </a:r>
                     </a:p>
                     <a:p>
@@ -8592,21 +8550,65 @@
           </a:p>
         </p:txBody>
       </p:sp>
+      <p:sp>
+        <p:nvSpPr>
+          <p:cNvPr id="4" name="Footer Placeholder 3"/>
+          <p:cNvSpPr>
+            <a:spLocks noGrp="1"/>
+          </p:cNvSpPr>
+          <p:nvPr>
+            <p:ph type="ftr" sz="quarter" idx="11"/>
+          </p:nvPr>
+        </p:nvSpPr>
+        <p:spPr/>
+        <p:txBody>
+          <a:bodyPr/>
+          <a:lstStyle/>
+          <a:p>
+            <a:r>
+              <a:rPr lang="en-US" dirty="0"/>
+              <a:t>School of Computer Science and Engineering           19BCE1027</a:t>
+            </a:r>
+            <a:endParaRPr lang="en-IN" dirty="0"/>
+          </a:p>
+        </p:txBody>
+      </p:sp>
+      <p:sp>
+        <p:nvSpPr>
+          <p:cNvPr id="5" name="Slide Number Placeholder 4"/>
+          <p:cNvSpPr>
+            <a:spLocks noGrp="1"/>
+          </p:cNvSpPr>
+          <p:nvPr>
+            <p:ph type="sldNum" sz="quarter" idx="12"/>
+          </p:nvPr>
+        </p:nvSpPr>
+        <p:spPr/>
+        <p:txBody>
+          <a:bodyPr/>
+          <a:lstStyle/>
+          <a:p>
+            <a:fld id="{92607C7E-3A72-4AFC-82D5-1E7B16850C90}" type="slidenum">
+              <a:rPr lang="en-IN" smtClean="0"/>
+              <a:t>20</a:t>
+            </a:fld>
+            <a:endParaRPr lang="en-IN"/>
+          </a:p>
+        </p:txBody>
+      </p:sp>
       <p:pic>
         <p:nvPicPr>
-          <p:cNvPr id="7" name="Content Placeholder 6">
+          <p:cNvPr id="7" name="Picture 6">
             <a:extLst>
               <a:ext uri="{FF2B5EF4-FFF2-40B4-BE49-F238E27FC236}">
-                <a16:creationId xmlns:a16="http://schemas.microsoft.com/office/drawing/2014/main" id="{B6685F56-094F-1CF0-3C9D-EA7E90EB2ADD}"/>
+                <a16:creationId xmlns:a16="http://schemas.microsoft.com/office/drawing/2014/main" id="{D2D6A492-435F-E89A-7069-C95AB8DB67C2}"/>
               </a:ext>
             </a:extLst>
           </p:cNvPr>
           <p:cNvPicPr>
-            <a:picLocks noGrp="1" noChangeAspect="1"/>
+            <a:picLocks noChangeAspect="1"/>
           </p:cNvPicPr>
-          <p:nvPr>
-            <p:ph idx="1"/>
-          </p:nvPr>
+          <p:nvPr/>
         </p:nvPicPr>
         <p:blipFill>
           <a:blip r:embed="rId2"/>
@@ -8616,57 +8618,14 @@
         </p:blipFill>
         <p:spPr>
           <a:xfrm>
-            <a:off x="2628140" y="1825625"/>
-            <a:ext cx="6935719" cy="4351338"/>
+            <a:off x="2114945" y="1474473"/>
+            <a:ext cx="7962109" cy="4881877"/>
           </a:xfrm>
+          <a:prstGeom prst="rect">
+            <a:avLst/>
+          </a:prstGeom>
         </p:spPr>
       </p:pic>
-      <p:sp>
-        <p:nvSpPr>
-          <p:cNvPr id="4" name="Footer Placeholder 3"/>
-          <p:cNvSpPr>
-            <a:spLocks noGrp="1"/>
-          </p:cNvSpPr>
-          <p:nvPr>
-            <p:ph type="ftr" sz="quarter" idx="11"/>
-          </p:nvPr>
-        </p:nvSpPr>
-        <p:spPr/>
-        <p:txBody>
-          <a:bodyPr/>
-          <a:lstStyle/>
-          <a:p>
-            <a:r>
-              <a:rPr lang="en-US" dirty="0"/>
-              <a:t>School of Computer Science and Engineering           19BCE1027</a:t>
-            </a:r>
-            <a:endParaRPr lang="en-IN" dirty="0"/>
-          </a:p>
-        </p:txBody>
-      </p:sp>
-      <p:sp>
-        <p:nvSpPr>
-          <p:cNvPr id="5" name="Slide Number Placeholder 4"/>
-          <p:cNvSpPr>
-            <a:spLocks noGrp="1"/>
-          </p:cNvSpPr>
-          <p:nvPr>
-            <p:ph type="sldNum" sz="quarter" idx="12"/>
-          </p:nvPr>
-        </p:nvSpPr>
-        <p:spPr/>
-        <p:txBody>
-          <a:bodyPr/>
-          <a:lstStyle/>
-          <a:p>
-            <a:fld id="{92607C7E-3A72-4AFC-82D5-1E7B16850C90}" type="slidenum">
-              <a:rPr lang="en-IN" smtClean="0"/>
-              <a:t>20</a:t>
-            </a:fld>
-            <a:endParaRPr lang="en-IN"/>
-          </a:p>
-        </p:txBody>
-      </p:sp>
     </p:spTree>
     <p:extLst>
       <p:ext uri="{BB962C8B-B14F-4D97-AF65-F5344CB8AC3E}">
@@ -11321,7 +11280,7 @@
             <p:ph idx="1"/>
             <p:extLst>
               <p:ext uri="{D42A27DB-BD31-4B8C-83A1-F6EECF244321}">
-                <p14:modId xmlns:p14="http://schemas.microsoft.com/office/powerpoint/2010/main" val="910591586"/>
+                <p14:modId xmlns:p14="http://schemas.microsoft.com/office/powerpoint/2010/main" val="695440065"/>
               </p:ext>
             </p:extLst>
           </p:nvPr>
@@ -11775,7 +11734,7 @@
                           <a:ea typeface="+mn-ea"/>
                           <a:cs typeface="+mn-cs"/>
                         </a:rPr>
-                        <a:t>Particle swarm optimization (PSO) is one of the bio-inspired algorithms and it is a simple one to search for an optimal solution in the solution space. It is different from other optimization algorithms in such a way that only the objective function is needed and it is not dependent on the gradient or any differential form of the objective. It also has very few hyperparameters.</a:t>
+                        <a:t>Particle swarm optimization (PSO) is one of the bio-inspired algorithms and it is a simple one to search for an optimal solution in the solution space. It is different from other optimization algorithms in such a way that only the objective function is needed and it is not dependent on the gradient or any differential form of the objective. </a:t>
                       </a:r>
                       <a:endParaRPr lang="en-US" sz="1000" b="0" dirty="0"/>
                     </a:p>
